--- a/ppt 16-9/0732.我怎能不爱主.pptx
+++ b/ppt 16-9/0732.我怎能不爱主.pptx
@@ -5,7 +5,7 @@
     <p:sldMasterId id="2147483648" r:id="rId1"/>
   </p:sldMasterIdLst>
   <p:sldIdLst>
-    <p:sldId id="1975" r:id="rId2"/>
+    <p:sldId id="1976" r:id="rId2"/>
   </p:sldIdLst>
   <p:sldSz cx="12192000" cy="6858000"/>
   <p:notesSz cx="6858000" cy="9144000"/>
@@ -129,7 +129,7 @@
           <p:cNvPr id="2" name="标题 1">
             <a:extLst>
               <a:ext uri="{FF2B5EF4-FFF2-40B4-BE49-F238E27FC236}">
-                <a16:creationId xmlns:a16="http://schemas.microsoft.com/office/drawing/2014/main" id="{20046FD3-2143-68F4-0085-1EBC5A7B983E}"/>
+                <a16:creationId xmlns:a16="http://schemas.microsoft.com/office/drawing/2014/main" id="{16FE5E81-1AB1-221F-5F63-C267CCAF03FB}"/>
               </a:ext>
             </a:extLst>
           </p:cNvPr>
@@ -166,7 +166,7 @@
           <p:cNvPr id="3" name="副标题 2">
             <a:extLst>
               <a:ext uri="{FF2B5EF4-FFF2-40B4-BE49-F238E27FC236}">
-                <a16:creationId xmlns:a16="http://schemas.microsoft.com/office/drawing/2014/main" id="{AD496C05-B01C-F40D-FD8C-BA0B1030C2AD}"/>
+                <a16:creationId xmlns:a16="http://schemas.microsoft.com/office/drawing/2014/main" id="{8199DE9D-4581-9278-A7F5-3731A9CCFB20}"/>
               </a:ext>
             </a:extLst>
           </p:cNvPr>
@@ -236,7 +236,7 @@
           <p:cNvPr id="4" name="日期占位符 3">
             <a:extLst>
               <a:ext uri="{FF2B5EF4-FFF2-40B4-BE49-F238E27FC236}">
-                <a16:creationId xmlns:a16="http://schemas.microsoft.com/office/drawing/2014/main" id="{B825B5A4-ABBC-7C29-8961-16AA01E17E5C}"/>
+                <a16:creationId xmlns:a16="http://schemas.microsoft.com/office/drawing/2014/main" id="{23E81314-A511-E8D2-1D5A-70E1888F5BB1}"/>
               </a:ext>
             </a:extLst>
           </p:cNvPr>
@@ -252,7 +252,7 @@
           <a:bodyPr/>
           <a:lstStyle/>
           <a:p>
-            <a:fld id="{B195E106-FA1F-46DA-B948-D327C33395F3}" type="datetimeFigureOut">
+            <a:fld id="{713A7422-1364-40FC-AC37-0C6B66916004}" type="datetimeFigureOut">
               <a:rPr lang="zh-CN" altLang="en-US" smtClean="0"/>
               <a:t>2024/3/10</a:t>
             </a:fld>
@@ -265,7 +265,7 @@
           <p:cNvPr id="5" name="页脚占位符 4">
             <a:extLst>
               <a:ext uri="{FF2B5EF4-FFF2-40B4-BE49-F238E27FC236}">
-                <a16:creationId xmlns:a16="http://schemas.microsoft.com/office/drawing/2014/main" id="{332B6832-CBD8-8375-5775-762FB0D0B397}"/>
+                <a16:creationId xmlns:a16="http://schemas.microsoft.com/office/drawing/2014/main" id="{C3BADF06-2EBC-F1A7-EF92-0452B3E63AD0}"/>
               </a:ext>
             </a:extLst>
           </p:cNvPr>
@@ -290,7 +290,7 @@
           <p:cNvPr id="6" name="灯片编号占位符 5">
             <a:extLst>
               <a:ext uri="{FF2B5EF4-FFF2-40B4-BE49-F238E27FC236}">
-                <a16:creationId xmlns:a16="http://schemas.microsoft.com/office/drawing/2014/main" id="{7BF12321-4CC8-3DC2-DCBD-CC9263142AF7}"/>
+                <a16:creationId xmlns:a16="http://schemas.microsoft.com/office/drawing/2014/main" id="{A382284B-2BCC-E54F-E06B-95FAE41FB696}"/>
               </a:ext>
             </a:extLst>
           </p:cNvPr>
@@ -306,7 +306,7 @@
           <a:bodyPr/>
           <a:lstStyle/>
           <a:p>
-            <a:fld id="{CEA47785-1F7B-4CC3-9734-18AFB7441908}" type="slidenum">
+            <a:fld id="{C8D879D6-30BD-4A9C-89E4-7FE51E00553D}" type="slidenum">
               <a:rPr lang="zh-CN" altLang="en-US" smtClean="0"/>
               <a:t>‹#›</a:t>
             </a:fld>
@@ -317,7 +317,7 @@
     </p:spTree>
     <p:extLst>
       <p:ext uri="{BB962C8B-B14F-4D97-AF65-F5344CB8AC3E}">
-        <p14:creationId xmlns:p14="http://schemas.microsoft.com/office/powerpoint/2010/main" val="930984903"/>
+        <p14:creationId xmlns:p14="http://schemas.microsoft.com/office/powerpoint/2010/main" val="2235017861"/>
       </p:ext>
     </p:extLst>
   </p:cSld>
@@ -349,7 +349,7 @@
           <p:cNvPr id="2" name="标题 1">
             <a:extLst>
               <a:ext uri="{FF2B5EF4-FFF2-40B4-BE49-F238E27FC236}">
-                <a16:creationId xmlns:a16="http://schemas.microsoft.com/office/drawing/2014/main" id="{E6481B17-452D-A210-8EB3-76A299397C7A}"/>
+                <a16:creationId xmlns:a16="http://schemas.microsoft.com/office/drawing/2014/main" id="{A082DDC7-E12B-B606-C049-5EDEC6404FDE}"/>
               </a:ext>
             </a:extLst>
           </p:cNvPr>
@@ -377,7 +377,7 @@
           <p:cNvPr id="3" name="竖排文字占位符 2">
             <a:extLst>
               <a:ext uri="{FF2B5EF4-FFF2-40B4-BE49-F238E27FC236}">
-                <a16:creationId xmlns:a16="http://schemas.microsoft.com/office/drawing/2014/main" id="{0C71CB57-324D-20A1-7D6C-39749379EE4A}"/>
+                <a16:creationId xmlns:a16="http://schemas.microsoft.com/office/drawing/2014/main" id="{843139F6-340F-213B-D65F-CECD0FCCFDF2}"/>
               </a:ext>
             </a:extLst>
           </p:cNvPr>
@@ -434,7 +434,7 @@
           <p:cNvPr id="4" name="日期占位符 3">
             <a:extLst>
               <a:ext uri="{FF2B5EF4-FFF2-40B4-BE49-F238E27FC236}">
-                <a16:creationId xmlns:a16="http://schemas.microsoft.com/office/drawing/2014/main" id="{211C0F15-5252-1F7C-BDB5-8F762931F2B8}"/>
+                <a16:creationId xmlns:a16="http://schemas.microsoft.com/office/drawing/2014/main" id="{590EF140-0D2B-DFB8-B7F7-40A96B02E3D4}"/>
               </a:ext>
             </a:extLst>
           </p:cNvPr>
@@ -450,7 +450,7 @@
           <a:bodyPr/>
           <a:lstStyle/>
           <a:p>
-            <a:fld id="{B195E106-FA1F-46DA-B948-D327C33395F3}" type="datetimeFigureOut">
+            <a:fld id="{713A7422-1364-40FC-AC37-0C6B66916004}" type="datetimeFigureOut">
               <a:rPr lang="zh-CN" altLang="en-US" smtClean="0"/>
               <a:t>2024/3/10</a:t>
             </a:fld>
@@ -463,7 +463,7 @@
           <p:cNvPr id="5" name="页脚占位符 4">
             <a:extLst>
               <a:ext uri="{FF2B5EF4-FFF2-40B4-BE49-F238E27FC236}">
-                <a16:creationId xmlns:a16="http://schemas.microsoft.com/office/drawing/2014/main" id="{2BE347E6-6FE2-D1FC-FA20-BD76F24066CF}"/>
+                <a16:creationId xmlns:a16="http://schemas.microsoft.com/office/drawing/2014/main" id="{39143F17-708F-57E4-057B-B48270BAB290}"/>
               </a:ext>
             </a:extLst>
           </p:cNvPr>
@@ -488,7 +488,7 @@
           <p:cNvPr id="6" name="灯片编号占位符 5">
             <a:extLst>
               <a:ext uri="{FF2B5EF4-FFF2-40B4-BE49-F238E27FC236}">
-                <a16:creationId xmlns:a16="http://schemas.microsoft.com/office/drawing/2014/main" id="{D2F9D525-3154-AD44-9768-13EDB092ADC3}"/>
+                <a16:creationId xmlns:a16="http://schemas.microsoft.com/office/drawing/2014/main" id="{9B7B8B05-C211-903F-5750-75BC00ADEAE7}"/>
               </a:ext>
             </a:extLst>
           </p:cNvPr>
@@ -504,7 +504,7 @@
           <a:bodyPr/>
           <a:lstStyle/>
           <a:p>
-            <a:fld id="{CEA47785-1F7B-4CC3-9734-18AFB7441908}" type="slidenum">
+            <a:fld id="{C8D879D6-30BD-4A9C-89E4-7FE51E00553D}" type="slidenum">
               <a:rPr lang="zh-CN" altLang="en-US" smtClean="0"/>
               <a:t>‹#›</a:t>
             </a:fld>
@@ -515,7 +515,7 @@
     </p:spTree>
     <p:extLst>
       <p:ext uri="{BB962C8B-B14F-4D97-AF65-F5344CB8AC3E}">
-        <p14:creationId xmlns:p14="http://schemas.microsoft.com/office/powerpoint/2010/main" val="1440707703"/>
+        <p14:creationId xmlns:p14="http://schemas.microsoft.com/office/powerpoint/2010/main" val="2651845739"/>
       </p:ext>
     </p:extLst>
   </p:cSld>
@@ -547,7 +547,7 @@
           <p:cNvPr id="2" name="竖排标题 1">
             <a:extLst>
               <a:ext uri="{FF2B5EF4-FFF2-40B4-BE49-F238E27FC236}">
-                <a16:creationId xmlns:a16="http://schemas.microsoft.com/office/drawing/2014/main" id="{769B07D5-9A01-ECB7-1B08-2071A0783753}"/>
+                <a16:creationId xmlns:a16="http://schemas.microsoft.com/office/drawing/2014/main" id="{59D779EF-00E6-15B3-7E1B-9B0AE24D1A20}"/>
               </a:ext>
             </a:extLst>
           </p:cNvPr>
@@ -580,7 +580,7 @@
           <p:cNvPr id="3" name="竖排文字占位符 2">
             <a:extLst>
               <a:ext uri="{FF2B5EF4-FFF2-40B4-BE49-F238E27FC236}">
-                <a16:creationId xmlns:a16="http://schemas.microsoft.com/office/drawing/2014/main" id="{39160DCF-25CC-66A4-55CB-BCBC66071EBC}"/>
+                <a16:creationId xmlns:a16="http://schemas.microsoft.com/office/drawing/2014/main" id="{4F107354-61AE-3C50-6E53-042B07713EEF}"/>
               </a:ext>
             </a:extLst>
           </p:cNvPr>
@@ -642,7 +642,7 @@
           <p:cNvPr id="4" name="日期占位符 3">
             <a:extLst>
               <a:ext uri="{FF2B5EF4-FFF2-40B4-BE49-F238E27FC236}">
-                <a16:creationId xmlns:a16="http://schemas.microsoft.com/office/drawing/2014/main" id="{C615B6B8-2769-F099-9610-C8DE445E3BCD}"/>
+                <a16:creationId xmlns:a16="http://schemas.microsoft.com/office/drawing/2014/main" id="{7D109D75-6BB1-787C-9A31-8C3D66E2F8BA}"/>
               </a:ext>
             </a:extLst>
           </p:cNvPr>
@@ -658,7 +658,7 @@
           <a:bodyPr/>
           <a:lstStyle/>
           <a:p>
-            <a:fld id="{B195E106-FA1F-46DA-B948-D327C33395F3}" type="datetimeFigureOut">
+            <a:fld id="{713A7422-1364-40FC-AC37-0C6B66916004}" type="datetimeFigureOut">
               <a:rPr lang="zh-CN" altLang="en-US" smtClean="0"/>
               <a:t>2024/3/10</a:t>
             </a:fld>
@@ -671,7 +671,7 @@
           <p:cNvPr id="5" name="页脚占位符 4">
             <a:extLst>
               <a:ext uri="{FF2B5EF4-FFF2-40B4-BE49-F238E27FC236}">
-                <a16:creationId xmlns:a16="http://schemas.microsoft.com/office/drawing/2014/main" id="{94B2B11D-983A-4DD2-427A-4B4F41A1BD7D}"/>
+                <a16:creationId xmlns:a16="http://schemas.microsoft.com/office/drawing/2014/main" id="{26465EDB-C414-5015-48C1-B05729C4B998}"/>
               </a:ext>
             </a:extLst>
           </p:cNvPr>
@@ -696,7 +696,7 @@
           <p:cNvPr id="6" name="灯片编号占位符 5">
             <a:extLst>
               <a:ext uri="{FF2B5EF4-FFF2-40B4-BE49-F238E27FC236}">
-                <a16:creationId xmlns:a16="http://schemas.microsoft.com/office/drawing/2014/main" id="{F9684274-28ED-48EA-695F-26C8F9973F99}"/>
+                <a16:creationId xmlns:a16="http://schemas.microsoft.com/office/drawing/2014/main" id="{854D1FF4-964E-6716-AE26-F344825A0DCE}"/>
               </a:ext>
             </a:extLst>
           </p:cNvPr>
@@ -712,7 +712,7 @@
           <a:bodyPr/>
           <a:lstStyle/>
           <a:p>
-            <a:fld id="{CEA47785-1F7B-4CC3-9734-18AFB7441908}" type="slidenum">
+            <a:fld id="{C8D879D6-30BD-4A9C-89E4-7FE51E00553D}" type="slidenum">
               <a:rPr lang="zh-CN" altLang="en-US" smtClean="0"/>
               <a:t>‹#›</a:t>
             </a:fld>
@@ -723,7 +723,7 @@
     </p:spTree>
     <p:extLst>
       <p:ext uri="{BB962C8B-B14F-4D97-AF65-F5344CB8AC3E}">
-        <p14:creationId xmlns:p14="http://schemas.microsoft.com/office/powerpoint/2010/main" val="162944344"/>
+        <p14:creationId xmlns:p14="http://schemas.microsoft.com/office/powerpoint/2010/main" val="479552652"/>
       </p:ext>
     </p:extLst>
   </p:cSld>
@@ -755,7 +755,7 @@
           <p:cNvPr id="2" name="标题 1">
             <a:extLst>
               <a:ext uri="{FF2B5EF4-FFF2-40B4-BE49-F238E27FC236}">
-                <a16:creationId xmlns:a16="http://schemas.microsoft.com/office/drawing/2014/main" id="{96DA0AD2-CF8D-D2EF-9B3B-33AFAF0AF3FD}"/>
+                <a16:creationId xmlns:a16="http://schemas.microsoft.com/office/drawing/2014/main" id="{E6A90550-82FF-142B-CD2A-92D6526E4114}"/>
               </a:ext>
             </a:extLst>
           </p:cNvPr>
@@ -783,7 +783,7 @@
           <p:cNvPr id="3" name="内容占位符 2">
             <a:extLst>
               <a:ext uri="{FF2B5EF4-FFF2-40B4-BE49-F238E27FC236}">
-                <a16:creationId xmlns:a16="http://schemas.microsoft.com/office/drawing/2014/main" id="{82742738-53E2-9CEF-4FAE-218BA30BA771}"/>
+                <a16:creationId xmlns:a16="http://schemas.microsoft.com/office/drawing/2014/main" id="{13D2CC80-DA51-EB06-B56D-891B22F2E9B0}"/>
               </a:ext>
             </a:extLst>
           </p:cNvPr>
@@ -840,7 +840,7 @@
           <p:cNvPr id="4" name="日期占位符 3">
             <a:extLst>
               <a:ext uri="{FF2B5EF4-FFF2-40B4-BE49-F238E27FC236}">
-                <a16:creationId xmlns:a16="http://schemas.microsoft.com/office/drawing/2014/main" id="{267B25E5-6728-5C7A-110D-2CCADD816C6A}"/>
+                <a16:creationId xmlns:a16="http://schemas.microsoft.com/office/drawing/2014/main" id="{40B92C09-3F31-D6D9-39CF-BCB1A0F8F968}"/>
               </a:ext>
             </a:extLst>
           </p:cNvPr>
@@ -856,7 +856,7 @@
           <a:bodyPr/>
           <a:lstStyle/>
           <a:p>
-            <a:fld id="{B195E106-FA1F-46DA-B948-D327C33395F3}" type="datetimeFigureOut">
+            <a:fld id="{713A7422-1364-40FC-AC37-0C6B66916004}" type="datetimeFigureOut">
               <a:rPr lang="zh-CN" altLang="en-US" smtClean="0"/>
               <a:t>2024/3/10</a:t>
             </a:fld>
@@ -869,7 +869,7 @@
           <p:cNvPr id="5" name="页脚占位符 4">
             <a:extLst>
               <a:ext uri="{FF2B5EF4-FFF2-40B4-BE49-F238E27FC236}">
-                <a16:creationId xmlns:a16="http://schemas.microsoft.com/office/drawing/2014/main" id="{363C4E42-FBBE-CC89-9E10-E8269803ED8A}"/>
+                <a16:creationId xmlns:a16="http://schemas.microsoft.com/office/drawing/2014/main" id="{CCFAB03B-3C5D-B4DF-8CD9-FF5372F3FC91}"/>
               </a:ext>
             </a:extLst>
           </p:cNvPr>
@@ -894,7 +894,7 @@
           <p:cNvPr id="6" name="灯片编号占位符 5">
             <a:extLst>
               <a:ext uri="{FF2B5EF4-FFF2-40B4-BE49-F238E27FC236}">
-                <a16:creationId xmlns:a16="http://schemas.microsoft.com/office/drawing/2014/main" id="{A29FDC46-03C2-1B9A-CA86-1145DF058417}"/>
+                <a16:creationId xmlns:a16="http://schemas.microsoft.com/office/drawing/2014/main" id="{CA97BE28-4B28-9F9A-E205-C5EB43CB2751}"/>
               </a:ext>
             </a:extLst>
           </p:cNvPr>
@@ -910,7 +910,7 @@
           <a:bodyPr/>
           <a:lstStyle/>
           <a:p>
-            <a:fld id="{CEA47785-1F7B-4CC3-9734-18AFB7441908}" type="slidenum">
+            <a:fld id="{C8D879D6-30BD-4A9C-89E4-7FE51E00553D}" type="slidenum">
               <a:rPr lang="zh-CN" altLang="en-US" smtClean="0"/>
               <a:t>‹#›</a:t>
             </a:fld>
@@ -921,7 +921,7 @@
     </p:spTree>
     <p:extLst>
       <p:ext uri="{BB962C8B-B14F-4D97-AF65-F5344CB8AC3E}">
-        <p14:creationId xmlns:p14="http://schemas.microsoft.com/office/powerpoint/2010/main" val="1181072850"/>
+        <p14:creationId xmlns:p14="http://schemas.microsoft.com/office/powerpoint/2010/main" val="1423860799"/>
       </p:ext>
     </p:extLst>
   </p:cSld>
@@ -953,7 +953,7 @@
           <p:cNvPr id="2" name="标题 1">
             <a:extLst>
               <a:ext uri="{FF2B5EF4-FFF2-40B4-BE49-F238E27FC236}">
-                <a16:creationId xmlns:a16="http://schemas.microsoft.com/office/drawing/2014/main" id="{146F9524-53F0-97D3-592A-31F58BF9E2F1}"/>
+                <a16:creationId xmlns:a16="http://schemas.microsoft.com/office/drawing/2014/main" id="{7E61495A-7D45-F583-BF0F-4803CBD66D7A}"/>
               </a:ext>
             </a:extLst>
           </p:cNvPr>
@@ -990,7 +990,7 @@
           <p:cNvPr id="3" name="文本占位符 2">
             <a:extLst>
               <a:ext uri="{FF2B5EF4-FFF2-40B4-BE49-F238E27FC236}">
-                <a16:creationId xmlns:a16="http://schemas.microsoft.com/office/drawing/2014/main" id="{156E6AEE-2925-A970-48FF-32C536E1AC6F}"/>
+                <a16:creationId xmlns:a16="http://schemas.microsoft.com/office/drawing/2014/main" id="{31E8AE8A-9566-3C46-0C85-73B861F0F692}"/>
               </a:ext>
             </a:extLst>
           </p:cNvPr>
@@ -1115,7 +1115,7 @@
           <p:cNvPr id="4" name="日期占位符 3">
             <a:extLst>
               <a:ext uri="{FF2B5EF4-FFF2-40B4-BE49-F238E27FC236}">
-                <a16:creationId xmlns:a16="http://schemas.microsoft.com/office/drawing/2014/main" id="{79BDCC54-849A-59C8-CC3A-584BC20C5066}"/>
+                <a16:creationId xmlns:a16="http://schemas.microsoft.com/office/drawing/2014/main" id="{E3B1B5D0-7B2D-07EE-939A-1090F01C3626}"/>
               </a:ext>
             </a:extLst>
           </p:cNvPr>
@@ -1131,7 +1131,7 @@
           <a:bodyPr/>
           <a:lstStyle/>
           <a:p>
-            <a:fld id="{B195E106-FA1F-46DA-B948-D327C33395F3}" type="datetimeFigureOut">
+            <a:fld id="{713A7422-1364-40FC-AC37-0C6B66916004}" type="datetimeFigureOut">
               <a:rPr lang="zh-CN" altLang="en-US" smtClean="0"/>
               <a:t>2024/3/10</a:t>
             </a:fld>
@@ -1144,7 +1144,7 @@
           <p:cNvPr id="5" name="页脚占位符 4">
             <a:extLst>
               <a:ext uri="{FF2B5EF4-FFF2-40B4-BE49-F238E27FC236}">
-                <a16:creationId xmlns:a16="http://schemas.microsoft.com/office/drawing/2014/main" id="{AA53EB1E-1058-45E3-8F62-011F880D0FBB}"/>
+                <a16:creationId xmlns:a16="http://schemas.microsoft.com/office/drawing/2014/main" id="{B9487B56-FA24-1A4F-63F3-EF5D81A0A8CA}"/>
               </a:ext>
             </a:extLst>
           </p:cNvPr>
@@ -1169,7 +1169,7 @@
           <p:cNvPr id="6" name="灯片编号占位符 5">
             <a:extLst>
               <a:ext uri="{FF2B5EF4-FFF2-40B4-BE49-F238E27FC236}">
-                <a16:creationId xmlns:a16="http://schemas.microsoft.com/office/drawing/2014/main" id="{2D61D8F3-0427-8B33-B1BB-9D2A1BB94C63}"/>
+                <a16:creationId xmlns:a16="http://schemas.microsoft.com/office/drawing/2014/main" id="{9BC1BBB9-24C2-2C7D-6830-798258AC1C2F}"/>
               </a:ext>
             </a:extLst>
           </p:cNvPr>
@@ -1185,7 +1185,7 @@
           <a:bodyPr/>
           <a:lstStyle/>
           <a:p>
-            <a:fld id="{CEA47785-1F7B-4CC3-9734-18AFB7441908}" type="slidenum">
+            <a:fld id="{C8D879D6-30BD-4A9C-89E4-7FE51E00553D}" type="slidenum">
               <a:rPr lang="zh-CN" altLang="en-US" smtClean="0"/>
               <a:t>‹#›</a:t>
             </a:fld>
@@ -1196,7 +1196,7 @@
     </p:spTree>
     <p:extLst>
       <p:ext uri="{BB962C8B-B14F-4D97-AF65-F5344CB8AC3E}">
-        <p14:creationId xmlns:p14="http://schemas.microsoft.com/office/powerpoint/2010/main" val="1609579794"/>
+        <p14:creationId xmlns:p14="http://schemas.microsoft.com/office/powerpoint/2010/main" val="4188548445"/>
       </p:ext>
     </p:extLst>
   </p:cSld>
@@ -1228,7 +1228,7 @@
           <p:cNvPr id="2" name="标题 1">
             <a:extLst>
               <a:ext uri="{FF2B5EF4-FFF2-40B4-BE49-F238E27FC236}">
-                <a16:creationId xmlns:a16="http://schemas.microsoft.com/office/drawing/2014/main" id="{B759E51E-D022-8A56-9DF3-E7CE287F9FFA}"/>
+                <a16:creationId xmlns:a16="http://schemas.microsoft.com/office/drawing/2014/main" id="{0617B1F4-CD66-637D-12CC-025658BEBE12}"/>
               </a:ext>
             </a:extLst>
           </p:cNvPr>
@@ -1256,7 +1256,7 @@
           <p:cNvPr id="3" name="内容占位符 2">
             <a:extLst>
               <a:ext uri="{FF2B5EF4-FFF2-40B4-BE49-F238E27FC236}">
-                <a16:creationId xmlns:a16="http://schemas.microsoft.com/office/drawing/2014/main" id="{011B2036-99CE-7826-643B-280B050B5C18}"/>
+                <a16:creationId xmlns:a16="http://schemas.microsoft.com/office/drawing/2014/main" id="{FB192702-5AFD-05F2-3AE4-5B12B36AF597}"/>
               </a:ext>
             </a:extLst>
           </p:cNvPr>
@@ -1318,7 +1318,7 @@
           <p:cNvPr id="4" name="内容占位符 3">
             <a:extLst>
               <a:ext uri="{FF2B5EF4-FFF2-40B4-BE49-F238E27FC236}">
-                <a16:creationId xmlns:a16="http://schemas.microsoft.com/office/drawing/2014/main" id="{9E1E09D8-ECA0-3255-A22F-999D9C5E7483}"/>
+                <a16:creationId xmlns:a16="http://schemas.microsoft.com/office/drawing/2014/main" id="{12030435-6AD3-6AF7-13D4-616AFE13F30F}"/>
               </a:ext>
             </a:extLst>
           </p:cNvPr>
@@ -1380,7 +1380,7 @@
           <p:cNvPr id="5" name="日期占位符 4">
             <a:extLst>
               <a:ext uri="{FF2B5EF4-FFF2-40B4-BE49-F238E27FC236}">
-                <a16:creationId xmlns:a16="http://schemas.microsoft.com/office/drawing/2014/main" id="{A148DD53-3407-68E8-0C5F-1D44F2E35935}"/>
+                <a16:creationId xmlns:a16="http://schemas.microsoft.com/office/drawing/2014/main" id="{55375293-1897-EA3C-719E-2DFF4EED5B8E}"/>
               </a:ext>
             </a:extLst>
           </p:cNvPr>
@@ -1396,7 +1396,7 @@
           <a:bodyPr/>
           <a:lstStyle/>
           <a:p>
-            <a:fld id="{B195E106-FA1F-46DA-B948-D327C33395F3}" type="datetimeFigureOut">
+            <a:fld id="{713A7422-1364-40FC-AC37-0C6B66916004}" type="datetimeFigureOut">
               <a:rPr lang="zh-CN" altLang="en-US" smtClean="0"/>
               <a:t>2024/3/10</a:t>
             </a:fld>
@@ -1409,7 +1409,7 @@
           <p:cNvPr id="6" name="页脚占位符 5">
             <a:extLst>
               <a:ext uri="{FF2B5EF4-FFF2-40B4-BE49-F238E27FC236}">
-                <a16:creationId xmlns:a16="http://schemas.microsoft.com/office/drawing/2014/main" id="{D8D51BFA-A9D0-DF65-7E1B-5F65A32B7551}"/>
+                <a16:creationId xmlns:a16="http://schemas.microsoft.com/office/drawing/2014/main" id="{095C6ABD-9F8B-C485-F802-3BDFD389DC58}"/>
               </a:ext>
             </a:extLst>
           </p:cNvPr>
@@ -1434,7 +1434,7 @@
           <p:cNvPr id="7" name="灯片编号占位符 6">
             <a:extLst>
               <a:ext uri="{FF2B5EF4-FFF2-40B4-BE49-F238E27FC236}">
-                <a16:creationId xmlns:a16="http://schemas.microsoft.com/office/drawing/2014/main" id="{63717EB6-80C9-121E-3067-D05417040825}"/>
+                <a16:creationId xmlns:a16="http://schemas.microsoft.com/office/drawing/2014/main" id="{8BF620D4-49F4-B56A-1E14-8B918F32C1D7}"/>
               </a:ext>
             </a:extLst>
           </p:cNvPr>
@@ -1450,7 +1450,7 @@
           <a:bodyPr/>
           <a:lstStyle/>
           <a:p>
-            <a:fld id="{CEA47785-1F7B-4CC3-9734-18AFB7441908}" type="slidenum">
+            <a:fld id="{C8D879D6-30BD-4A9C-89E4-7FE51E00553D}" type="slidenum">
               <a:rPr lang="zh-CN" altLang="en-US" smtClean="0"/>
               <a:t>‹#›</a:t>
             </a:fld>
@@ -1461,7 +1461,7 @@
     </p:spTree>
     <p:extLst>
       <p:ext uri="{BB962C8B-B14F-4D97-AF65-F5344CB8AC3E}">
-        <p14:creationId xmlns:p14="http://schemas.microsoft.com/office/powerpoint/2010/main" val="1350772531"/>
+        <p14:creationId xmlns:p14="http://schemas.microsoft.com/office/powerpoint/2010/main" val="1176355845"/>
       </p:ext>
     </p:extLst>
   </p:cSld>
@@ -1493,7 +1493,7 @@
           <p:cNvPr id="2" name="标题 1">
             <a:extLst>
               <a:ext uri="{FF2B5EF4-FFF2-40B4-BE49-F238E27FC236}">
-                <a16:creationId xmlns:a16="http://schemas.microsoft.com/office/drawing/2014/main" id="{3D7690C0-1942-CB59-E2FB-0AAA6E125533}"/>
+                <a16:creationId xmlns:a16="http://schemas.microsoft.com/office/drawing/2014/main" id="{C4BAE467-5A67-8B3D-2568-39A1EF3E3472}"/>
               </a:ext>
             </a:extLst>
           </p:cNvPr>
@@ -1526,7 +1526,7 @@
           <p:cNvPr id="3" name="文本占位符 2">
             <a:extLst>
               <a:ext uri="{FF2B5EF4-FFF2-40B4-BE49-F238E27FC236}">
-                <a16:creationId xmlns:a16="http://schemas.microsoft.com/office/drawing/2014/main" id="{5535EDF9-3BF2-707D-9DBD-C5C108DB52A9}"/>
+                <a16:creationId xmlns:a16="http://schemas.microsoft.com/office/drawing/2014/main" id="{D93E68C4-9BD3-0224-6C46-5238445CA4D8}"/>
               </a:ext>
             </a:extLst>
           </p:cNvPr>
@@ -1597,7 +1597,7 @@
           <p:cNvPr id="4" name="内容占位符 3">
             <a:extLst>
               <a:ext uri="{FF2B5EF4-FFF2-40B4-BE49-F238E27FC236}">
-                <a16:creationId xmlns:a16="http://schemas.microsoft.com/office/drawing/2014/main" id="{606C5A97-937E-BB80-A0BD-CB2D5BD171E9}"/>
+                <a16:creationId xmlns:a16="http://schemas.microsoft.com/office/drawing/2014/main" id="{69988EC9-16F1-0589-0831-56EA315E27D4}"/>
               </a:ext>
             </a:extLst>
           </p:cNvPr>
@@ -1659,7 +1659,7 @@
           <p:cNvPr id="5" name="文本占位符 4">
             <a:extLst>
               <a:ext uri="{FF2B5EF4-FFF2-40B4-BE49-F238E27FC236}">
-                <a16:creationId xmlns:a16="http://schemas.microsoft.com/office/drawing/2014/main" id="{732C8658-28C8-245F-EF18-5300BABC3451}"/>
+                <a16:creationId xmlns:a16="http://schemas.microsoft.com/office/drawing/2014/main" id="{9BA13383-D910-9F91-2C59-5D888EC80EC9}"/>
               </a:ext>
             </a:extLst>
           </p:cNvPr>
@@ -1730,7 +1730,7 @@
           <p:cNvPr id="6" name="内容占位符 5">
             <a:extLst>
               <a:ext uri="{FF2B5EF4-FFF2-40B4-BE49-F238E27FC236}">
-                <a16:creationId xmlns:a16="http://schemas.microsoft.com/office/drawing/2014/main" id="{2546B63F-C8B1-A656-F993-FDDED72E8EFC}"/>
+                <a16:creationId xmlns:a16="http://schemas.microsoft.com/office/drawing/2014/main" id="{79DD27D8-BAFC-DE40-2355-34560A31FE36}"/>
               </a:ext>
             </a:extLst>
           </p:cNvPr>
@@ -1792,7 +1792,7 @@
           <p:cNvPr id="7" name="日期占位符 6">
             <a:extLst>
               <a:ext uri="{FF2B5EF4-FFF2-40B4-BE49-F238E27FC236}">
-                <a16:creationId xmlns:a16="http://schemas.microsoft.com/office/drawing/2014/main" id="{7E1AEB18-7242-B8A8-1F8C-41685E4B2F2C}"/>
+                <a16:creationId xmlns:a16="http://schemas.microsoft.com/office/drawing/2014/main" id="{ABA05C1E-02E6-3C4B-7760-13AAC804C23D}"/>
               </a:ext>
             </a:extLst>
           </p:cNvPr>
@@ -1808,7 +1808,7 @@
           <a:bodyPr/>
           <a:lstStyle/>
           <a:p>
-            <a:fld id="{B195E106-FA1F-46DA-B948-D327C33395F3}" type="datetimeFigureOut">
+            <a:fld id="{713A7422-1364-40FC-AC37-0C6B66916004}" type="datetimeFigureOut">
               <a:rPr lang="zh-CN" altLang="en-US" smtClean="0"/>
               <a:t>2024/3/10</a:t>
             </a:fld>
@@ -1821,7 +1821,7 @@
           <p:cNvPr id="8" name="页脚占位符 7">
             <a:extLst>
               <a:ext uri="{FF2B5EF4-FFF2-40B4-BE49-F238E27FC236}">
-                <a16:creationId xmlns:a16="http://schemas.microsoft.com/office/drawing/2014/main" id="{416C4662-3431-F627-93FF-30BA5DD9FADB}"/>
+                <a16:creationId xmlns:a16="http://schemas.microsoft.com/office/drawing/2014/main" id="{92B78A80-99F6-E351-56B7-A527D9B4F15E}"/>
               </a:ext>
             </a:extLst>
           </p:cNvPr>
@@ -1846,7 +1846,7 @@
           <p:cNvPr id="9" name="灯片编号占位符 8">
             <a:extLst>
               <a:ext uri="{FF2B5EF4-FFF2-40B4-BE49-F238E27FC236}">
-                <a16:creationId xmlns:a16="http://schemas.microsoft.com/office/drawing/2014/main" id="{A3364A45-31AB-5250-9750-F6C79E6DCBAA}"/>
+                <a16:creationId xmlns:a16="http://schemas.microsoft.com/office/drawing/2014/main" id="{D8A030B8-6A4B-2C7A-B030-3A43A32B00AA}"/>
               </a:ext>
             </a:extLst>
           </p:cNvPr>
@@ -1862,7 +1862,7 @@
           <a:bodyPr/>
           <a:lstStyle/>
           <a:p>
-            <a:fld id="{CEA47785-1F7B-4CC3-9734-18AFB7441908}" type="slidenum">
+            <a:fld id="{C8D879D6-30BD-4A9C-89E4-7FE51E00553D}" type="slidenum">
               <a:rPr lang="zh-CN" altLang="en-US" smtClean="0"/>
               <a:t>‹#›</a:t>
             </a:fld>
@@ -1873,7 +1873,7 @@
     </p:spTree>
     <p:extLst>
       <p:ext uri="{BB962C8B-B14F-4D97-AF65-F5344CB8AC3E}">
-        <p14:creationId xmlns:p14="http://schemas.microsoft.com/office/powerpoint/2010/main" val="2948459281"/>
+        <p14:creationId xmlns:p14="http://schemas.microsoft.com/office/powerpoint/2010/main" val="1648599680"/>
       </p:ext>
     </p:extLst>
   </p:cSld>
@@ -1905,7 +1905,7 @@
           <p:cNvPr id="2" name="标题 1">
             <a:extLst>
               <a:ext uri="{FF2B5EF4-FFF2-40B4-BE49-F238E27FC236}">
-                <a16:creationId xmlns:a16="http://schemas.microsoft.com/office/drawing/2014/main" id="{C7D05925-0330-2BFB-4366-610091A5F7FF}"/>
+                <a16:creationId xmlns:a16="http://schemas.microsoft.com/office/drawing/2014/main" id="{178AF2D9-C852-8B1E-1E89-4643E58D6762}"/>
               </a:ext>
             </a:extLst>
           </p:cNvPr>
@@ -1933,7 +1933,7 @@
           <p:cNvPr id="3" name="日期占位符 2">
             <a:extLst>
               <a:ext uri="{FF2B5EF4-FFF2-40B4-BE49-F238E27FC236}">
-                <a16:creationId xmlns:a16="http://schemas.microsoft.com/office/drawing/2014/main" id="{B93EF207-C873-AE2B-8FBB-B06A056AE1DC}"/>
+                <a16:creationId xmlns:a16="http://schemas.microsoft.com/office/drawing/2014/main" id="{76EA9A3F-967E-7B0F-8208-6A65A3BF6F36}"/>
               </a:ext>
             </a:extLst>
           </p:cNvPr>
@@ -1949,7 +1949,7 @@
           <a:bodyPr/>
           <a:lstStyle/>
           <a:p>
-            <a:fld id="{B195E106-FA1F-46DA-B948-D327C33395F3}" type="datetimeFigureOut">
+            <a:fld id="{713A7422-1364-40FC-AC37-0C6B66916004}" type="datetimeFigureOut">
               <a:rPr lang="zh-CN" altLang="en-US" smtClean="0"/>
               <a:t>2024/3/10</a:t>
             </a:fld>
@@ -1962,7 +1962,7 @@
           <p:cNvPr id="4" name="页脚占位符 3">
             <a:extLst>
               <a:ext uri="{FF2B5EF4-FFF2-40B4-BE49-F238E27FC236}">
-                <a16:creationId xmlns:a16="http://schemas.microsoft.com/office/drawing/2014/main" id="{59AD2BCB-13E3-A066-0287-65B61B1E7E65}"/>
+                <a16:creationId xmlns:a16="http://schemas.microsoft.com/office/drawing/2014/main" id="{F8C8E4BA-C8DF-7305-40DE-304FCDB16D20}"/>
               </a:ext>
             </a:extLst>
           </p:cNvPr>
@@ -1987,7 +1987,7 @@
           <p:cNvPr id="5" name="灯片编号占位符 4">
             <a:extLst>
               <a:ext uri="{FF2B5EF4-FFF2-40B4-BE49-F238E27FC236}">
-                <a16:creationId xmlns:a16="http://schemas.microsoft.com/office/drawing/2014/main" id="{CD2434C3-56DA-9BD9-FD71-8E437299C834}"/>
+                <a16:creationId xmlns:a16="http://schemas.microsoft.com/office/drawing/2014/main" id="{A07B1B19-C4AC-4643-2462-57E5E0802C3C}"/>
               </a:ext>
             </a:extLst>
           </p:cNvPr>
@@ -2003,7 +2003,7 @@
           <a:bodyPr/>
           <a:lstStyle/>
           <a:p>
-            <a:fld id="{CEA47785-1F7B-4CC3-9734-18AFB7441908}" type="slidenum">
+            <a:fld id="{C8D879D6-30BD-4A9C-89E4-7FE51E00553D}" type="slidenum">
               <a:rPr lang="zh-CN" altLang="en-US" smtClean="0"/>
               <a:t>‹#›</a:t>
             </a:fld>
@@ -2014,7 +2014,7 @@
     </p:spTree>
     <p:extLst>
       <p:ext uri="{BB962C8B-B14F-4D97-AF65-F5344CB8AC3E}">
-        <p14:creationId xmlns:p14="http://schemas.microsoft.com/office/powerpoint/2010/main" val="3092908454"/>
+        <p14:creationId xmlns:p14="http://schemas.microsoft.com/office/powerpoint/2010/main" val="4250484520"/>
       </p:ext>
     </p:extLst>
   </p:cSld>
@@ -2046,7 +2046,7 @@
           <p:cNvPr id="2" name="日期占位符 1">
             <a:extLst>
               <a:ext uri="{FF2B5EF4-FFF2-40B4-BE49-F238E27FC236}">
-                <a16:creationId xmlns:a16="http://schemas.microsoft.com/office/drawing/2014/main" id="{216D37B4-E9D3-6AE8-E2DF-4075DC8A863F}"/>
+                <a16:creationId xmlns:a16="http://schemas.microsoft.com/office/drawing/2014/main" id="{BCC439A8-E935-175C-F776-95326B2E4C75}"/>
               </a:ext>
             </a:extLst>
           </p:cNvPr>
@@ -2062,7 +2062,7 @@
           <a:bodyPr/>
           <a:lstStyle/>
           <a:p>
-            <a:fld id="{B195E106-FA1F-46DA-B948-D327C33395F3}" type="datetimeFigureOut">
+            <a:fld id="{713A7422-1364-40FC-AC37-0C6B66916004}" type="datetimeFigureOut">
               <a:rPr lang="zh-CN" altLang="en-US" smtClean="0"/>
               <a:t>2024/3/10</a:t>
             </a:fld>
@@ -2075,7 +2075,7 @@
           <p:cNvPr id="3" name="页脚占位符 2">
             <a:extLst>
               <a:ext uri="{FF2B5EF4-FFF2-40B4-BE49-F238E27FC236}">
-                <a16:creationId xmlns:a16="http://schemas.microsoft.com/office/drawing/2014/main" id="{185E4FF9-EB6B-E6B1-F06A-E2D8F6E1D762}"/>
+                <a16:creationId xmlns:a16="http://schemas.microsoft.com/office/drawing/2014/main" id="{CC2A7121-9AE7-5A09-55C1-1485A9DA2F6C}"/>
               </a:ext>
             </a:extLst>
           </p:cNvPr>
@@ -2100,7 +2100,7 @@
           <p:cNvPr id="4" name="灯片编号占位符 3">
             <a:extLst>
               <a:ext uri="{FF2B5EF4-FFF2-40B4-BE49-F238E27FC236}">
-                <a16:creationId xmlns:a16="http://schemas.microsoft.com/office/drawing/2014/main" id="{1999FF19-E6DE-1FC3-23AB-1BE78705B066}"/>
+                <a16:creationId xmlns:a16="http://schemas.microsoft.com/office/drawing/2014/main" id="{D5B2140A-EBC0-A923-5174-63F8C18E083A}"/>
               </a:ext>
             </a:extLst>
           </p:cNvPr>
@@ -2116,7 +2116,7 @@
           <a:bodyPr/>
           <a:lstStyle/>
           <a:p>
-            <a:fld id="{CEA47785-1F7B-4CC3-9734-18AFB7441908}" type="slidenum">
+            <a:fld id="{C8D879D6-30BD-4A9C-89E4-7FE51E00553D}" type="slidenum">
               <a:rPr lang="zh-CN" altLang="en-US" smtClean="0"/>
               <a:t>‹#›</a:t>
             </a:fld>
@@ -2127,7 +2127,7 @@
     </p:spTree>
     <p:extLst>
       <p:ext uri="{BB962C8B-B14F-4D97-AF65-F5344CB8AC3E}">
-        <p14:creationId xmlns:p14="http://schemas.microsoft.com/office/powerpoint/2010/main" val="1859833975"/>
+        <p14:creationId xmlns:p14="http://schemas.microsoft.com/office/powerpoint/2010/main" val="553504401"/>
       </p:ext>
     </p:extLst>
   </p:cSld>
@@ -2159,7 +2159,7 @@
           <p:cNvPr id="2" name="标题 1">
             <a:extLst>
               <a:ext uri="{FF2B5EF4-FFF2-40B4-BE49-F238E27FC236}">
-                <a16:creationId xmlns:a16="http://schemas.microsoft.com/office/drawing/2014/main" id="{283FE533-2F8E-82AA-22DF-3E81C1487200}"/>
+                <a16:creationId xmlns:a16="http://schemas.microsoft.com/office/drawing/2014/main" id="{D497B074-6EB4-8B01-0849-8B22A5B4E881}"/>
               </a:ext>
             </a:extLst>
           </p:cNvPr>
@@ -2196,7 +2196,7 @@
           <p:cNvPr id="3" name="内容占位符 2">
             <a:extLst>
               <a:ext uri="{FF2B5EF4-FFF2-40B4-BE49-F238E27FC236}">
-                <a16:creationId xmlns:a16="http://schemas.microsoft.com/office/drawing/2014/main" id="{1D948550-5708-F300-29AD-7E5B25EAD966}"/>
+                <a16:creationId xmlns:a16="http://schemas.microsoft.com/office/drawing/2014/main" id="{560D7AD6-F31C-9A7A-1FC1-B07C4953AA5E}"/>
               </a:ext>
             </a:extLst>
           </p:cNvPr>
@@ -2286,7 +2286,7 @@
           <p:cNvPr id="4" name="文本占位符 3">
             <a:extLst>
               <a:ext uri="{FF2B5EF4-FFF2-40B4-BE49-F238E27FC236}">
-                <a16:creationId xmlns:a16="http://schemas.microsoft.com/office/drawing/2014/main" id="{569F57BA-EF7C-7EE6-1EAD-633F10A20482}"/>
+                <a16:creationId xmlns:a16="http://schemas.microsoft.com/office/drawing/2014/main" id="{AD0D784C-9C8D-4B24-2C8C-0B7CEADD6401}"/>
               </a:ext>
             </a:extLst>
           </p:cNvPr>
@@ -2357,7 +2357,7 @@
           <p:cNvPr id="5" name="日期占位符 4">
             <a:extLst>
               <a:ext uri="{FF2B5EF4-FFF2-40B4-BE49-F238E27FC236}">
-                <a16:creationId xmlns:a16="http://schemas.microsoft.com/office/drawing/2014/main" id="{52856ED8-E234-180E-132F-F7BB532A695C}"/>
+                <a16:creationId xmlns:a16="http://schemas.microsoft.com/office/drawing/2014/main" id="{3A6732EF-E5B5-8569-3BBD-7454C9875BC3}"/>
               </a:ext>
             </a:extLst>
           </p:cNvPr>
@@ -2373,7 +2373,7 @@
           <a:bodyPr/>
           <a:lstStyle/>
           <a:p>
-            <a:fld id="{B195E106-FA1F-46DA-B948-D327C33395F3}" type="datetimeFigureOut">
+            <a:fld id="{713A7422-1364-40FC-AC37-0C6B66916004}" type="datetimeFigureOut">
               <a:rPr lang="zh-CN" altLang="en-US" smtClean="0"/>
               <a:t>2024/3/10</a:t>
             </a:fld>
@@ -2386,7 +2386,7 @@
           <p:cNvPr id="6" name="页脚占位符 5">
             <a:extLst>
               <a:ext uri="{FF2B5EF4-FFF2-40B4-BE49-F238E27FC236}">
-                <a16:creationId xmlns:a16="http://schemas.microsoft.com/office/drawing/2014/main" id="{E3302A05-29B3-FDA5-7FD5-A502B57D0190}"/>
+                <a16:creationId xmlns:a16="http://schemas.microsoft.com/office/drawing/2014/main" id="{0D5AF519-EEEF-BC3B-914A-3B908FE0072F}"/>
               </a:ext>
             </a:extLst>
           </p:cNvPr>
@@ -2411,7 +2411,7 @@
           <p:cNvPr id="7" name="灯片编号占位符 6">
             <a:extLst>
               <a:ext uri="{FF2B5EF4-FFF2-40B4-BE49-F238E27FC236}">
-                <a16:creationId xmlns:a16="http://schemas.microsoft.com/office/drawing/2014/main" id="{D35E39CF-D9B7-3615-1A58-D4E6E3B63716}"/>
+                <a16:creationId xmlns:a16="http://schemas.microsoft.com/office/drawing/2014/main" id="{DB9D9A26-A47F-5682-B8BB-4CE6C8FFEA1A}"/>
               </a:ext>
             </a:extLst>
           </p:cNvPr>
@@ -2427,7 +2427,7 @@
           <a:bodyPr/>
           <a:lstStyle/>
           <a:p>
-            <a:fld id="{CEA47785-1F7B-4CC3-9734-18AFB7441908}" type="slidenum">
+            <a:fld id="{C8D879D6-30BD-4A9C-89E4-7FE51E00553D}" type="slidenum">
               <a:rPr lang="zh-CN" altLang="en-US" smtClean="0"/>
               <a:t>‹#›</a:t>
             </a:fld>
@@ -2438,7 +2438,7 @@
     </p:spTree>
     <p:extLst>
       <p:ext uri="{BB962C8B-B14F-4D97-AF65-F5344CB8AC3E}">
-        <p14:creationId xmlns:p14="http://schemas.microsoft.com/office/powerpoint/2010/main" val="2441558155"/>
+        <p14:creationId xmlns:p14="http://schemas.microsoft.com/office/powerpoint/2010/main" val="2867282684"/>
       </p:ext>
     </p:extLst>
   </p:cSld>
@@ -2470,7 +2470,7 @@
           <p:cNvPr id="2" name="标题 1">
             <a:extLst>
               <a:ext uri="{FF2B5EF4-FFF2-40B4-BE49-F238E27FC236}">
-                <a16:creationId xmlns:a16="http://schemas.microsoft.com/office/drawing/2014/main" id="{17C009BD-40A1-D883-04B1-515C8C5F4D43}"/>
+                <a16:creationId xmlns:a16="http://schemas.microsoft.com/office/drawing/2014/main" id="{B66A0266-D0D5-B294-0621-9F6E012E9249}"/>
               </a:ext>
             </a:extLst>
           </p:cNvPr>
@@ -2507,7 +2507,7 @@
           <p:cNvPr id="3" name="图片占位符 2">
             <a:extLst>
               <a:ext uri="{FF2B5EF4-FFF2-40B4-BE49-F238E27FC236}">
-                <a16:creationId xmlns:a16="http://schemas.microsoft.com/office/drawing/2014/main" id="{C1068E93-07A3-84BC-B283-1772EB13F221}"/>
+                <a16:creationId xmlns:a16="http://schemas.microsoft.com/office/drawing/2014/main" id="{378B3A34-19C2-B6B7-6D70-9F12509DE042}"/>
               </a:ext>
             </a:extLst>
           </p:cNvPr>
@@ -2574,7 +2574,7 @@
           <p:cNvPr id="4" name="文本占位符 3">
             <a:extLst>
               <a:ext uri="{FF2B5EF4-FFF2-40B4-BE49-F238E27FC236}">
-                <a16:creationId xmlns:a16="http://schemas.microsoft.com/office/drawing/2014/main" id="{B20D96C2-0FDC-A649-0310-3D0248965345}"/>
+                <a16:creationId xmlns:a16="http://schemas.microsoft.com/office/drawing/2014/main" id="{1A71D56B-0C17-C4FB-1540-6ED3474D7A4B}"/>
               </a:ext>
             </a:extLst>
           </p:cNvPr>
@@ -2645,7 +2645,7 @@
           <p:cNvPr id="5" name="日期占位符 4">
             <a:extLst>
               <a:ext uri="{FF2B5EF4-FFF2-40B4-BE49-F238E27FC236}">
-                <a16:creationId xmlns:a16="http://schemas.microsoft.com/office/drawing/2014/main" id="{02F9AB8A-9075-2382-0D2E-26575C8EA658}"/>
+                <a16:creationId xmlns:a16="http://schemas.microsoft.com/office/drawing/2014/main" id="{D6793A5E-3030-107B-B683-80D0E947B2C0}"/>
               </a:ext>
             </a:extLst>
           </p:cNvPr>
@@ -2661,7 +2661,7 @@
           <a:bodyPr/>
           <a:lstStyle/>
           <a:p>
-            <a:fld id="{B195E106-FA1F-46DA-B948-D327C33395F3}" type="datetimeFigureOut">
+            <a:fld id="{713A7422-1364-40FC-AC37-0C6B66916004}" type="datetimeFigureOut">
               <a:rPr lang="zh-CN" altLang="en-US" smtClean="0"/>
               <a:t>2024/3/10</a:t>
             </a:fld>
@@ -2674,7 +2674,7 @@
           <p:cNvPr id="6" name="页脚占位符 5">
             <a:extLst>
               <a:ext uri="{FF2B5EF4-FFF2-40B4-BE49-F238E27FC236}">
-                <a16:creationId xmlns:a16="http://schemas.microsoft.com/office/drawing/2014/main" id="{B6B337F0-AD1B-A8AE-AA95-BAEDC52E34DD}"/>
+                <a16:creationId xmlns:a16="http://schemas.microsoft.com/office/drawing/2014/main" id="{89C622D7-2937-D359-6E73-97B37EFEE613}"/>
               </a:ext>
             </a:extLst>
           </p:cNvPr>
@@ -2699,7 +2699,7 @@
           <p:cNvPr id="7" name="灯片编号占位符 6">
             <a:extLst>
               <a:ext uri="{FF2B5EF4-FFF2-40B4-BE49-F238E27FC236}">
-                <a16:creationId xmlns:a16="http://schemas.microsoft.com/office/drawing/2014/main" id="{65F21F9D-9D95-B5EB-6F0C-D1942A3091AB}"/>
+                <a16:creationId xmlns:a16="http://schemas.microsoft.com/office/drawing/2014/main" id="{B7FBF891-E32D-2208-364A-2C3CFE097D93}"/>
               </a:ext>
             </a:extLst>
           </p:cNvPr>
@@ -2715,7 +2715,7 @@
           <a:bodyPr/>
           <a:lstStyle/>
           <a:p>
-            <a:fld id="{CEA47785-1F7B-4CC3-9734-18AFB7441908}" type="slidenum">
+            <a:fld id="{C8D879D6-30BD-4A9C-89E4-7FE51E00553D}" type="slidenum">
               <a:rPr lang="zh-CN" altLang="en-US" smtClean="0"/>
               <a:t>‹#›</a:t>
             </a:fld>
@@ -2726,7 +2726,7 @@
     </p:spTree>
     <p:extLst>
       <p:ext uri="{BB962C8B-B14F-4D97-AF65-F5344CB8AC3E}">
-        <p14:creationId xmlns:p14="http://schemas.microsoft.com/office/powerpoint/2010/main" val="3049767964"/>
+        <p14:creationId xmlns:p14="http://schemas.microsoft.com/office/powerpoint/2010/main" val="3316871421"/>
       </p:ext>
     </p:extLst>
   </p:cSld>
@@ -2763,7 +2763,7 @@
           <p:cNvPr id="2" name="标题占位符 1">
             <a:extLst>
               <a:ext uri="{FF2B5EF4-FFF2-40B4-BE49-F238E27FC236}">
-                <a16:creationId xmlns:a16="http://schemas.microsoft.com/office/drawing/2014/main" id="{BB14633D-F97E-EA67-001D-02AAD805A8C6}"/>
+                <a16:creationId xmlns:a16="http://schemas.microsoft.com/office/drawing/2014/main" id="{7033F4BD-3A0A-CD9C-9F0A-216A54188CB4}"/>
               </a:ext>
             </a:extLst>
           </p:cNvPr>
@@ -2801,7 +2801,7 @@
           <p:cNvPr id="3" name="文本占位符 2">
             <a:extLst>
               <a:ext uri="{FF2B5EF4-FFF2-40B4-BE49-F238E27FC236}">
-                <a16:creationId xmlns:a16="http://schemas.microsoft.com/office/drawing/2014/main" id="{2ACA6EA9-C741-FEDE-877C-4D20255A2653}"/>
+                <a16:creationId xmlns:a16="http://schemas.microsoft.com/office/drawing/2014/main" id="{E2361D1C-999F-C258-0F49-FDDE7FA9A658}"/>
               </a:ext>
             </a:extLst>
           </p:cNvPr>
@@ -2868,7 +2868,7 @@
           <p:cNvPr id="4" name="日期占位符 3">
             <a:extLst>
               <a:ext uri="{FF2B5EF4-FFF2-40B4-BE49-F238E27FC236}">
-                <a16:creationId xmlns:a16="http://schemas.microsoft.com/office/drawing/2014/main" id="{AC72FB8A-B977-CB85-B0AE-3F382406320A}"/>
+                <a16:creationId xmlns:a16="http://schemas.microsoft.com/office/drawing/2014/main" id="{0792CD13-B308-3F36-A050-C7FA55C697F9}"/>
               </a:ext>
             </a:extLst>
           </p:cNvPr>
@@ -2902,7 +2902,7 @@
             </a:lvl1pPr>
           </a:lstStyle>
           <a:p>
-            <a:fld id="{B195E106-FA1F-46DA-B948-D327C33395F3}" type="datetimeFigureOut">
+            <a:fld id="{713A7422-1364-40FC-AC37-0C6B66916004}" type="datetimeFigureOut">
               <a:rPr lang="zh-CN" altLang="en-US" smtClean="0"/>
               <a:t>2024/3/10</a:t>
             </a:fld>
@@ -2915,7 +2915,7 @@
           <p:cNvPr id="5" name="页脚占位符 4">
             <a:extLst>
               <a:ext uri="{FF2B5EF4-FFF2-40B4-BE49-F238E27FC236}">
-                <a16:creationId xmlns:a16="http://schemas.microsoft.com/office/drawing/2014/main" id="{E674FEFC-A0BF-2107-AFCC-9C2ACD5C874C}"/>
+                <a16:creationId xmlns:a16="http://schemas.microsoft.com/office/drawing/2014/main" id="{AC899358-A06D-52CE-07FE-5D4EC7F4C72E}"/>
               </a:ext>
             </a:extLst>
           </p:cNvPr>
@@ -2958,7 +2958,7 @@
           <p:cNvPr id="6" name="灯片编号占位符 5">
             <a:extLst>
               <a:ext uri="{FF2B5EF4-FFF2-40B4-BE49-F238E27FC236}">
-                <a16:creationId xmlns:a16="http://schemas.microsoft.com/office/drawing/2014/main" id="{C89FD54E-D446-8874-3968-76B09FD7D6C9}"/>
+                <a16:creationId xmlns:a16="http://schemas.microsoft.com/office/drawing/2014/main" id="{6B6106C1-8290-4B28-2B9B-2721B051EA8F}"/>
               </a:ext>
             </a:extLst>
           </p:cNvPr>
@@ -2992,7 +2992,7 @@
             </a:lvl1pPr>
           </a:lstStyle>
           <a:p>
-            <a:fld id="{CEA47785-1F7B-4CC3-9734-18AFB7441908}" type="slidenum">
+            <a:fld id="{C8D879D6-30BD-4A9C-89E4-7FE51E00553D}" type="slidenum">
               <a:rPr lang="zh-CN" altLang="en-US" smtClean="0"/>
               <a:t>‹#›</a:t>
             </a:fld>
@@ -3003,7 +3003,7 @@
     </p:spTree>
     <p:extLst>
       <p:ext uri="{BB962C8B-B14F-4D97-AF65-F5344CB8AC3E}">
-        <p14:creationId xmlns:p14="http://schemas.microsoft.com/office/powerpoint/2010/main" val="4293089604"/>
+        <p14:creationId xmlns:p14="http://schemas.microsoft.com/office/powerpoint/2010/main" val="476786318"/>
       </p:ext>
     </p:extLst>
   </p:cSld>
@@ -3323,7 +3323,7 @@
       </p:grpSpPr>
       <p:pic>
         <p:nvPicPr>
-          <p:cNvPr id="749570" name="Picture 2" descr="731"/>
+          <p:cNvPr id="750594" name="Picture 2" descr="732"/>
           <p:cNvPicPr>
             <a:picLocks noChangeAspect="1" noChangeArrowheads="1"/>
           </p:cNvPicPr>
